--- a/docs/微服务网关_设计文档_V1.0.pptx
+++ b/docs/微服务网关_设计文档_V1.0.pptx
@@ -10,6 +10,7 @@
     <p:sldId id="259" r:id="rId4"/>
     <p:sldId id="257" r:id="rId5"/>
     <p:sldId id="260" r:id="rId6"/>
+    <p:sldId id="261" r:id="rId7"/>
   </p:sldIdLst>
   <p:sldSz cx="12192000" cy="6858000"/>
   <p:notesSz cx="6858000" cy="9144000"/>
@@ -108,6 +109,11 @@
       </a:defRPr>
     </a:lvl9pPr>
   </p:defaultTextStyle>
+  <p:extLst>
+    <p:ext uri="{EFAFB233-063F-42B5-8137-9DF3F51BA10A}">
+      <p15:sldGuideLst xmlns:p15="http://schemas.microsoft.com/office/powerpoint/2012/main"/>
+    </p:ext>
+  </p:extLst>
 </p:presentation>
 </file>
 
@@ -242,7 +248,7 @@
           <a:p>
             <a:fld id="{AB06CB3E-61B3-1244-9D25-997E63044B17}" type="datetimeFigureOut">
               <a:rPr kumimoji="1" lang="zh-CN" altLang="en-US" smtClean="0"/>
-              <a:t>2016/11/21</a:t>
+              <a:t>2016/12/7</a:t>
             </a:fld>
             <a:endParaRPr kumimoji="1" lang="zh-CN" altLang="en-US"/>
           </a:p>
@@ -412,7 +418,7 @@
           <a:p>
             <a:fld id="{AB06CB3E-61B3-1244-9D25-997E63044B17}" type="datetimeFigureOut">
               <a:rPr kumimoji="1" lang="zh-CN" altLang="en-US" smtClean="0"/>
-              <a:t>2016/11/21</a:t>
+              <a:t>2016/12/7</a:t>
             </a:fld>
             <a:endParaRPr kumimoji="1" lang="zh-CN" altLang="en-US"/>
           </a:p>
@@ -592,7 +598,7 @@
           <a:p>
             <a:fld id="{AB06CB3E-61B3-1244-9D25-997E63044B17}" type="datetimeFigureOut">
               <a:rPr kumimoji="1" lang="zh-CN" altLang="en-US" smtClean="0"/>
-              <a:t>2016/11/21</a:t>
+              <a:t>2016/12/7</a:t>
             </a:fld>
             <a:endParaRPr kumimoji="1" lang="zh-CN" altLang="en-US"/>
           </a:p>
@@ -762,7 +768,7 @@
           <a:p>
             <a:fld id="{AB06CB3E-61B3-1244-9D25-997E63044B17}" type="datetimeFigureOut">
               <a:rPr kumimoji="1" lang="zh-CN" altLang="en-US" smtClean="0"/>
-              <a:t>2016/11/21</a:t>
+              <a:t>2016/12/7</a:t>
             </a:fld>
             <a:endParaRPr kumimoji="1" lang="zh-CN" altLang="en-US"/>
           </a:p>
@@ -1008,7 +1014,7 @@
           <a:p>
             <a:fld id="{AB06CB3E-61B3-1244-9D25-997E63044B17}" type="datetimeFigureOut">
               <a:rPr kumimoji="1" lang="zh-CN" altLang="en-US" smtClean="0"/>
-              <a:t>2016/11/21</a:t>
+              <a:t>2016/12/7</a:t>
             </a:fld>
             <a:endParaRPr kumimoji="1" lang="zh-CN" altLang="en-US"/>
           </a:p>
@@ -1240,7 +1246,7 @@
           <a:p>
             <a:fld id="{AB06CB3E-61B3-1244-9D25-997E63044B17}" type="datetimeFigureOut">
               <a:rPr kumimoji="1" lang="zh-CN" altLang="en-US" smtClean="0"/>
-              <a:t>2016/11/21</a:t>
+              <a:t>2016/12/7</a:t>
             </a:fld>
             <a:endParaRPr kumimoji="1" lang="zh-CN" altLang="en-US"/>
           </a:p>
@@ -1607,7 +1613,7 @@
           <a:p>
             <a:fld id="{AB06CB3E-61B3-1244-9D25-997E63044B17}" type="datetimeFigureOut">
               <a:rPr kumimoji="1" lang="zh-CN" altLang="en-US" smtClean="0"/>
-              <a:t>2016/11/21</a:t>
+              <a:t>2016/12/7</a:t>
             </a:fld>
             <a:endParaRPr kumimoji="1" lang="zh-CN" altLang="en-US"/>
           </a:p>
@@ -1725,7 +1731,7 @@
           <a:p>
             <a:fld id="{AB06CB3E-61B3-1244-9D25-997E63044B17}" type="datetimeFigureOut">
               <a:rPr kumimoji="1" lang="zh-CN" altLang="en-US" smtClean="0"/>
-              <a:t>2016/11/21</a:t>
+              <a:t>2016/12/7</a:t>
             </a:fld>
             <a:endParaRPr kumimoji="1" lang="zh-CN" altLang="en-US"/>
           </a:p>
@@ -1820,7 +1826,7 @@
           <a:p>
             <a:fld id="{AB06CB3E-61B3-1244-9D25-997E63044B17}" type="datetimeFigureOut">
               <a:rPr kumimoji="1" lang="zh-CN" altLang="en-US" smtClean="0"/>
-              <a:t>2016/11/21</a:t>
+              <a:t>2016/12/7</a:t>
             </a:fld>
             <a:endParaRPr kumimoji="1" lang="zh-CN" altLang="en-US"/>
           </a:p>
@@ -2097,7 +2103,7 @@
           <a:p>
             <a:fld id="{AB06CB3E-61B3-1244-9D25-997E63044B17}" type="datetimeFigureOut">
               <a:rPr kumimoji="1" lang="zh-CN" altLang="en-US" smtClean="0"/>
-              <a:t>2016/11/21</a:t>
+              <a:t>2016/12/7</a:t>
             </a:fld>
             <a:endParaRPr kumimoji="1" lang="zh-CN" altLang="en-US"/>
           </a:p>
@@ -2350,7 +2356,7 @@
           <a:p>
             <a:fld id="{AB06CB3E-61B3-1244-9D25-997E63044B17}" type="datetimeFigureOut">
               <a:rPr kumimoji="1" lang="zh-CN" altLang="en-US" smtClean="0"/>
-              <a:t>2016/11/21</a:t>
+              <a:t>2016/12/7</a:t>
             </a:fld>
             <a:endParaRPr kumimoji="1" lang="zh-CN" altLang="en-US"/>
           </a:p>
@@ -2563,7 +2569,7 @@
           <a:p>
             <a:fld id="{AB06CB3E-61B3-1244-9D25-997E63044B17}" type="datetimeFigureOut">
               <a:rPr kumimoji="1" lang="zh-CN" altLang="en-US" smtClean="0"/>
-              <a:t>2016/11/21</a:t>
+              <a:t>2016/12/7</a:t>
             </a:fld>
             <a:endParaRPr kumimoji="1" lang="zh-CN" altLang="en-US"/>
           </a:p>
@@ -5589,7 +5595,15 @@
                   <a:srgbClr val="FF0000"/>
                 </a:solidFill>
               </a:rPr>
-              <a:t>                  </a:t>
+              <a:t>                   </a:t>
+            </a:r>
+            <a:r>
+              <a:rPr kumimoji="1" lang="en-US" altLang="zh-CN" dirty="0" err="1" smtClean="0">
+                <a:solidFill>
+                  <a:srgbClr val="FF0000"/>
+                </a:solidFill>
+              </a:rPr>
+              <a:t>Netty</a:t>
             </a:r>
             <a:r>
               <a:rPr kumimoji="1" lang="zh-CN" altLang="en-US" dirty="0" smtClean="0">
@@ -5600,12 +5614,12 @@
               <a:t> </a:t>
             </a:r>
             <a:r>
-              <a:rPr kumimoji="1" lang="en-US" altLang="zh-CN" dirty="0" err="1" smtClean="0">
+              <a:rPr kumimoji="1" lang="en-US" altLang="zh-CN" dirty="0" smtClean="0">
                 <a:solidFill>
                   <a:srgbClr val="FF0000"/>
                 </a:solidFill>
               </a:rPr>
-              <a:t>Netty</a:t>
+              <a:t>Server</a:t>
             </a:r>
             <a:r>
               <a:rPr kumimoji="1" lang="zh-CN" altLang="en-US" dirty="0" smtClean="0">
@@ -5613,31 +5627,7 @@
                   <a:srgbClr val="FF0000"/>
                 </a:solidFill>
               </a:rPr>
-              <a:t> </a:t>
-            </a:r>
-            <a:r>
-              <a:rPr kumimoji="1" lang="en-US" altLang="zh-CN" dirty="0" smtClean="0">
-                <a:solidFill>
-                  <a:srgbClr val="FF0000"/>
-                </a:solidFill>
-              </a:rPr>
-              <a:t>Server</a:t>
-            </a:r>
-            <a:r>
-              <a:rPr kumimoji="1" lang="zh-CN" altLang="en-US" dirty="0" smtClean="0">
-                <a:solidFill>
-                  <a:srgbClr val="FF0000"/>
-                </a:solidFill>
-              </a:rPr>
-              <a:t> </a:t>
-            </a:r>
-            <a:r>
-              <a:rPr kumimoji="1" lang="zh-CN" altLang="en-US" dirty="0" smtClean="0">
-                <a:solidFill>
-                  <a:srgbClr val="FF0000"/>
-                </a:solidFill>
-              </a:rPr>
-              <a:t>                     </a:t>
+              <a:t>                      </a:t>
             </a:r>
             <a:r>
               <a:rPr kumimoji="1" lang="en-US" altLang="zh-CN" dirty="0" smtClean="0">
@@ -5902,31 +5892,7 @@
           <a:p>
             <a:r>
               <a:rPr kumimoji="1" lang="en-US" altLang="zh-CN" sz="3200" dirty="0" smtClean="0"/>
-              <a:t>Gateway </a:t>
-            </a:r>
-            <a:r>
-              <a:rPr kumimoji="1" lang="en-US" altLang="zh-CN" sz="3200" dirty="0" smtClean="0"/>
-              <a:t>C</a:t>
-            </a:r>
-            <a:r>
-              <a:rPr kumimoji="1" lang="en-US" altLang="zh-CN" sz="3200" dirty="0" smtClean="0"/>
-              <a:t>ommunication/</a:t>
-            </a:r>
-            <a:r>
-              <a:rPr kumimoji="1" lang="en-US" altLang="zh-CN" sz="3200" dirty="0" smtClean="0"/>
-              <a:t>E</a:t>
-            </a:r>
-            <a:r>
-              <a:rPr kumimoji="1" lang="en-US" altLang="zh-CN" sz="3200" dirty="0" smtClean="0"/>
-              <a:t>vent </a:t>
-            </a:r>
-            <a:r>
-              <a:rPr kumimoji="1" lang="en-US" altLang="zh-CN" sz="3200" dirty="0" smtClean="0"/>
-              <a:t>S</a:t>
-            </a:r>
-            <a:r>
-              <a:rPr kumimoji="1" lang="en-US" altLang="zh-CN" sz="3200" dirty="0" smtClean="0"/>
-              <a:t>tream</a:t>
+              <a:t>Gateway Communication/Event Stream</a:t>
             </a:r>
             <a:endParaRPr kumimoji="1" lang="zh-CN" altLang="en-US" sz="3200" dirty="0" smtClean="0"/>
           </a:p>
@@ -5950,11 +5916,7 @@
             </a:r>
             <a:r>
               <a:rPr kumimoji="1" lang="en-US" altLang="zh-CN" dirty="0" smtClean="0"/>
-              <a:t>B</a:t>
-            </a:r>
-            <a:r>
-              <a:rPr kumimoji="1" lang="en-US" altLang="zh-CN" dirty="0" smtClean="0"/>
-              <a:t>usiness</a:t>
+              <a:t>Business</a:t>
             </a:r>
             <a:endParaRPr kumimoji="1" lang="zh-CN" altLang="en-US" dirty="0" smtClean="0"/>
           </a:p>
@@ -7851,15 +7813,7 @@
                 <a:ea typeface="Microsoft YaHei" charset="0"/>
                 <a:cs typeface="Microsoft YaHei" charset="0"/>
               </a:rPr>
-              <a:t> </a:t>
-            </a:r>
-            <a:r>
-              <a:rPr kumimoji="1" lang="en-US" altLang="zh-CN" dirty="0" smtClean="0">
-                <a:latin typeface="Microsoft YaHei" charset="0"/>
-                <a:ea typeface="Microsoft YaHei" charset="0"/>
-                <a:cs typeface="Microsoft YaHei" charset="0"/>
-              </a:rPr>
-              <a:t>Acceptor</a:t>
+              <a:t> Acceptor</a:t>
             </a:r>
             <a:r>
               <a:rPr kumimoji="1" lang="zh-CN" altLang="en-US" dirty="0" smtClean="0">
@@ -7964,15 +7918,7 @@
                   <a:srgbClr val="FF0000"/>
                 </a:solidFill>
               </a:rPr>
-              <a:t>                  </a:t>
-            </a:r>
-            <a:r>
-              <a:rPr kumimoji="1" lang="zh-CN" altLang="en-US" dirty="0" smtClean="0">
-                <a:solidFill>
-                  <a:srgbClr val="FF0000"/>
-                </a:solidFill>
-              </a:rPr>
-              <a:t> </a:t>
+              <a:t>                   </a:t>
             </a:r>
             <a:r>
               <a:rPr kumimoji="1" lang="en-US" altLang="zh-CN" dirty="0" err="1" smtClean="0">
@@ -8406,31 +8352,7 @@
           <a:p>
             <a:r>
               <a:rPr kumimoji="1" lang="en-US" altLang="zh-CN" sz="3200" dirty="0" smtClean="0"/>
-              <a:t>Gateway </a:t>
-            </a:r>
-            <a:r>
-              <a:rPr kumimoji="1" lang="en-US" altLang="zh-CN" sz="3200" dirty="0" smtClean="0"/>
-              <a:t>C</a:t>
-            </a:r>
-            <a:r>
-              <a:rPr kumimoji="1" lang="en-US" altLang="zh-CN" sz="3200" dirty="0" smtClean="0"/>
-              <a:t>ommunication/</a:t>
-            </a:r>
-            <a:r>
-              <a:rPr kumimoji="1" lang="en-US" altLang="zh-CN" sz="3200" dirty="0" smtClean="0"/>
-              <a:t>E</a:t>
-            </a:r>
-            <a:r>
-              <a:rPr kumimoji="1" lang="en-US" altLang="zh-CN" sz="3200" dirty="0" smtClean="0"/>
-              <a:t>vent </a:t>
-            </a:r>
-            <a:r>
-              <a:rPr kumimoji="1" lang="en-US" altLang="zh-CN" sz="3200" dirty="0" smtClean="0"/>
-              <a:t>S</a:t>
-            </a:r>
-            <a:r>
-              <a:rPr kumimoji="1" lang="en-US" altLang="zh-CN" sz="3200" dirty="0" smtClean="0"/>
-              <a:t>tream</a:t>
+              <a:t>Gateway Communication/Event Stream</a:t>
             </a:r>
             <a:endParaRPr kumimoji="1" lang="zh-CN" altLang="en-US" sz="3200" dirty="0" smtClean="0"/>
           </a:p>
@@ -8454,11 +8376,7 @@
             </a:r>
             <a:r>
               <a:rPr kumimoji="1" lang="en-US" altLang="zh-CN" dirty="0" smtClean="0"/>
-              <a:t>B</a:t>
-            </a:r>
-            <a:r>
-              <a:rPr kumimoji="1" lang="en-US" altLang="zh-CN" dirty="0" smtClean="0"/>
-              <a:t>usiness</a:t>
+              <a:t>Business</a:t>
             </a:r>
             <a:endParaRPr kumimoji="1" lang="zh-CN" altLang="en-US" dirty="0" smtClean="0"/>
           </a:p>
@@ -10369,11 +10287,7 @@
             </a:r>
             <a:r>
               <a:rPr kumimoji="1" lang="en-US" altLang="zh-CN" dirty="0" smtClean="0"/>
-              <a:t>RE</a:t>
-            </a:r>
-            <a:r>
-              <a:rPr kumimoji="1" lang="en-US" altLang="zh-CN" dirty="0" smtClean="0"/>
-              <a:t>S</a:t>
+              <a:t>RES</a:t>
             </a:r>
             <a:endParaRPr kumimoji="1" lang="zh-CN" altLang="en-US" dirty="0"/>
           </a:p>
@@ -10403,47 +10317,7 @@
           <a:p>
             <a:r>
               <a:rPr kumimoji="1" lang="en-US" altLang="zh-CN" sz="3200" dirty="0" smtClean="0"/>
-              <a:t>Design </a:t>
-            </a:r>
-            <a:r>
-              <a:rPr kumimoji="1" lang="en-US" altLang="zh-CN" sz="3200" dirty="0" smtClean="0"/>
-              <a:t>o</a:t>
-            </a:r>
-            <a:r>
-              <a:rPr kumimoji="1" lang="en-US" altLang="zh-CN" sz="3200" dirty="0" smtClean="0"/>
-              <a:t>f </a:t>
-            </a:r>
-            <a:r>
-              <a:rPr kumimoji="1" lang="en-US" altLang="zh-CN" sz="3200" dirty="0" smtClean="0"/>
-              <a:t>M</a:t>
-            </a:r>
-            <a:r>
-              <a:rPr kumimoji="1" lang="en-US" altLang="zh-CN" sz="3200" dirty="0" smtClean="0"/>
-              <a:t>icro </a:t>
-            </a:r>
-            <a:r>
-              <a:rPr kumimoji="1" lang="en-US" altLang="zh-CN" sz="3200" dirty="0" smtClean="0"/>
-              <a:t>S</a:t>
-            </a:r>
-            <a:r>
-              <a:rPr kumimoji="1" lang="en-US" altLang="zh-CN" sz="3200" dirty="0" smtClean="0"/>
-              <a:t>ervice </a:t>
-            </a:r>
-            <a:r>
-              <a:rPr kumimoji="1" lang="en-US" altLang="zh-CN" sz="3200" dirty="0" smtClean="0"/>
-              <a:t>G</a:t>
-            </a:r>
-            <a:r>
-              <a:rPr kumimoji="1" lang="en-US" altLang="zh-CN" sz="3200" dirty="0" smtClean="0"/>
-              <a:t>ateway </a:t>
-            </a:r>
-            <a:r>
-              <a:rPr kumimoji="1" lang="en-US" altLang="zh-CN" sz="3200" dirty="0" smtClean="0"/>
-              <a:t>F</a:t>
-            </a:r>
-            <a:r>
-              <a:rPr kumimoji="1" lang="en-US" altLang="zh-CN" sz="3200" dirty="0" smtClean="0"/>
-              <a:t>ilter(Sync)</a:t>
+              <a:t>Design of Micro Service Gateway Filter(Sync)</a:t>
             </a:r>
             <a:endParaRPr kumimoji="1" lang="zh-CN" altLang="en-US" sz="3200" dirty="0" smtClean="0"/>
           </a:p>
@@ -12025,11 +11899,6 @@
               </a:rPr>
               <a:t>F5</a:t>
             </a:r>
-            <a:endParaRPr kumimoji="1" lang="en-US" altLang="zh-CN" dirty="0" smtClean="0">
-              <a:latin typeface="Microsoft YaHei" charset="0"/>
-              <a:ea typeface="Microsoft YaHei" charset="0"/>
-              <a:cs typeface="Microsoft YaHei" charset="0"/>
-            </a:endParaRPr>
           </a:p>
           <a:p>
             <a:r>
@@ -12038,29 +11907,8 @@
                 <a:ea typeface="Microsoft YaHei" charset="0"/>
                 <a:cs typeface="Microsoft YaHei" charset="0"/>
               </a:rPr>
-              <a:t>  </a:t>
-            </a:r>
-            <a:r>
-              <a:rPr kumimoji="1" lang="zh-CN" altLang="en-US" dirty="0" smtClean="0">
-                <a:latin typeface="Microsoft YaHei" charset="0"/>
-                <a:ea typeface="Microsoft YaHei" charset="0"/>
-                <a:cs typeface="Microsoft YaHei" charset="0"/>
-              </a:rPr>
-              <a:t>软负载                                                                           </a:t>
-            </a:r>
-            <a:r>
-              <a:rPr kumimoji="1" lang="zh-CN" altLang="en-US" dirty="0" smtClean="0">
-                <a:latin typeface="Microsoft YaHei" charset="0"/>
-                <a:ea typeface="Microsoft YaHei" charset="0"/>
-                <a:cs typeface="Microsoft YaHei" charset="0"/>
-              </a:rPr>
-              <a:t>硬负载</a:t>
-            </a:r>
-            <a:endParaRPr kumimoji="1" lang="zh-CN" altLang="en-US" dirty="0" smtClean="0">
-              <a:latin typeface="Microsoft YaHei" charset="0"/>
-              <a:ea typeface="Microsoft YaHei" charset="0"/>
-              <a:cs typeface="Microsoft YaHei" charset="0"/>
-            </a:endParaRPr>
+              <a:t>  软负载                                                                           硬负载</a:t>
+            </a:r>
           </a:p>
         </p:txBody>
       </p:sp>
@@ -12325,18 +12173,7 @@
                 <a:ea typeface="Microsoft YaHei" charset="0"/>
                 <a:cs typeface="Microsoft YaHei" charset="0"/>
               </a:rPr>
-              <a:t>（可选</a:t>
-            </a:r>
-            <a:r>
-              <a:rPr kumimoji="1" lang="zh-CN" altLang="en-US" dirty="0" smtClean="0">
-                <a:solidFill>
-                  <a:srgbClr val="FF0000"/>
-                </a:solidFill>
-                <a:latin typeface="Microsoft YaHei" charset="0"/>
-                <a:ea typeface="Microsoft YaHei" charset="0"/>
-                <a:cs typeface="Microsoft YaHei" charset="0"/>
-              </a:rPr>
-              <a:t>）</a:t>
+              <a:t>（可选）</a:t>
             </a:r>
           </a:p>
           <a:p>
@@ -12354,21 +12191,8 @@
                 <a:ea typeface="Microsoft YaHei" charset="0"/>
                 <a:cs typeface="Microsoft YaHei" charset="0"/>
               </a:rPr>
-              <a:t>动态</a:t>
-            </a:r>
-            <a:r>
-              <a:rPr kumimoji="1" lang="zh-CN" altLang="en-US" sz="1000" dirty="0" smtClean="0">
-                <a:latin typeface="Microsoft YaHei" charset="0"/>
-                <a:ea typeface="Microsoft YaHei" charset="0"/>
-                <a:cs typeface="Microsoft YaHei" charset="0"/>
-              </a:rPr>
-              <a:t>扩容</a:t>
-            </a:r>
-            <a:endParaRPr kumimoji="1" lang="zh-CN" altLang="en-US" sz="1000" dirty="0" smtClean="0">
-              <a:latin typeface="Microsoft YaHei" charset="0"/>
-              <a:ea typeface="Microsoft YaHei" charset="0"/>
-              <a:cs typeface="Microsoft YaHei" charset="0"/>
-            </a:endParaRPr>
+              <a:t>动态扩容</a:t>
+            </a:r>
           </a:p>
         </p:txBody>
       </p:sp>
@@ -13083,6 +12907,947 @@
     <p:extLst>
       <p:ext uri="{BB962C8B-B14F-4D97-AF65-F5344CB8AC3E}">
         <p14:creationId xmlns:p14="http://schemas.microsoft.com/office/powerpoint/2010/main" val="2047580876"/>
+      </p:ext>
+    </p:extLst>
+  </p:cSld>
+  <p:clrMapOvr>
+    <a:masterClrMapping/>
+  </p:clrMapOvr>
+</p:sld>
+</file>
+
+<file path=ppt/slides/slide6.xml><?xml version="1.0" encoding="utf-8"?>
+<p:sld xmlns:a="http://schemas.openxmlformats.org/drawingml/2006/main" xmlns:r="http://schemas.openxmlformats.org/officeDocument/2006/relationships" xmlns:p="http://schemas.openxmlformats.org/presentationml/2006/main">
+  <p:cSld>
+    <p:spTree>
+      <p:nvGrpSpPr>
+        <p:cNvPr id="1" name=""/>
+        <p:cNvGrpSpPr/>
+        <p:nvPr/>
+      </p:nvGrpSpPr>
+      <p:grpSpPr>
+        <a:xfrm>
+          <a:off x="0" y="0"/>
+          <a:ext cx="0" cy="0"/>
+          <a:chOff x="0" y="0"/>
+          <a:chExt cx="0" cy="0"/>
+        </a:xfrm>
+      </p:grpSpPr>
+      <p:sp>
+        <p:nvSpPr>
+          <p:cNvPr id="119" name="文本框 118"/>
+          <p:cNvSpPr txBox="1"/>
+          <p:nvPr/>
+        </p:nvSpPr>
+        <p:spPr>
+          <a:xfrm>
+            <a:off x="311644" y="140729"/>
+            <a:ext cx="7627024" cy="954107"/>
+          </a:xfrm>
+          <a:prstGeom prst="rect">
+            <a:avLst/>
+          </a:prstGeom>
+          <a:noFill/>
+        </p:spPr>
+        <p:txBody>
+          <a:bodyPr wrap="none" rtlCol="0">
+            <a:spAutoFit/>
+          </a:bodyPr>
+          <a:lstStyle/>
+          <a:p>
+            <a:r>
+              <a:rPr kumimoji="1" lang="en-US" altLang="zh-CN" sz="3200" dirty="0" smtClean="0"/>
+              <a:t>Micro </a:t>
+            </a:r>
+            <a:r>
+              <a:rPr kumimoji="1" lang="en-US" altLang="zh-CN" sz="3200" dirty="0" smtClean="0"/>
+              <a:t>Service Gateway </a:t>
+            </a:r>
+            <a:r>
+              <a:rPr kumimoji="1" lang="en-US" altLang="zh-CN" sz="3200" dirty="0" smtClean="0"/>
+              <a:t>Router</a:t>
+            </a:r>
+          </a:p>
+          <a:p>
+            <a:pPr algn="r"/>
+            <a:r>
+              <a:rPr kumimoji="1" lang="en-US" altLang="zh-CN" sz="2400" dirty="0" smtClean="0"/>
+              <a:t>——</a:t>
+            </a:r>
+            <a:r>
+              <a:rPr kumimoji="1" lang="zh-CN" altLang="en-US" sz="2400" dirty="0" smtClean="0"/>
+              <a:t> </a:t>
+            </a:r>
+            <a:r>
+              <a:rPr kumimoji="1" lang="en-US" altLang="zh-CN" sz="2400" dirty="0" smtClean="0"/>
+              <a:t>Based on chain of responsibility</a:t>
+            </a:r>
+            <a:endParaRPr kumimoji="1" lang="zh-CN" altLang="en-US" sz="2400" dirty="0"/>
+          </a:p>
+        </p:txBody>
+      </p:sp>
+      <p:sp>
+        <p:nvSpPr>
+          <p:cNvPr id="123" name="文本框 122"/>
+          <p:cNvSpPr txBox="1"/>
+          <p:nvPr/>
+        </p:nvSpPr>
+        <p:spPr>
+          <a:xfrm>
+            <a:off x="1210226" y="5754368"/>
+            <a:ext cx="9902326" cy="923330"/>
+          </a:xfrm>
+          <a:prstGeom prst="rect">
+            <a:avLst/>
+          </a:prstGeom>
+          <a:noFill/>
+        </p:spPr>
+        <p:txBody>
+          <a:bodyPr wrap="none" rtlCol="0">
+            <a:spAutoFit/>
+          </a:bodyPr>
+          <a:lstStyle/>
+          <a:p>
+            <a:r>
+              <a:rPr kumimoji="1" lang="en-US" altLang="zh-CN" dirty="0" smtClean="0"/>
+              <a:t>On the filter can be achieved: security, traces, authentication, limited flow, routing and monitoring, etc..</a:t>
+            </a:r>
+            <a:endParaRPr kumimoji="1" lang="zh-CN" altLang="en-US" dirty="0" smtClean="0"/>
+          </a:p>
+          <a:p>
+            <a:endParaRPr kumimoji="1" lang="zh-CN" altLang="en-US" dirty="0" smtClean="0"/>
+          </a:p>
+          <a:p>
+            <a:r>
+              <a:rPr kumimoji="1" lang="en-US" altLang="zh-CN" dirty="0" smtClean="0">
+                <a:solidFill>
+                  <a:srgbClr val="FF0000"/>
+                </a:solidFill>
+              </a:rPr>
+              <a:t>Q</a:t>
+            </a:r>
+            <a:r>
+              <a:rPr kumimoji="1" lang="zh-CN" altLang="en-US" dirty="0" smtClean="0">
+                <a:solidFill>
+                  <a:srgbClr val="FF0000"/>
+                </a:solidFill>
+              </a:rPr>
+              <a:t>：</a:t>
+            </a:r>
+            <a:r>
+              <a:rPr kumimoji="1" lang="en-US" altLang="zh-CN" dirty="0" err="1" smtClean="0">
+                <a:solidFill>
+                  <a:srgbClr val="FF0000"/>
+                </a:solidFill>
+              </a:rPr>
+              <a:t>Async</a:t>
+            </a:r>
+            <a:r>
+              <a:rPr kumimoji="1" lang="zh-CN" altLang="en-US" dirty="0" smtClean="0">
+                <a:solidFill>
+                  <a:srgbClr val="FF0000"/>
+                </a:solidFill>
+              </a:rPr>
+              <a:t> </a:t>
+            </a:r>
+            <a:r>
+              <a:rPr kumimoji="1" lang="en-US" altLang="zh-CN" dirty="0" smtClean="0">
+                <a:solidFill>
+                  <a:srgbClr val="FF0000"/>
+                </a:solidFill>
+              </a:rPr>
+              <a:t>Filter(</a:t>
+            </a:r>
+            <a:r>
+              <a:rPr kumimoji="1" lang="zh-CN" altLang="en-US" dirty="0" smtClean="0">
+                <a:solidFill>
+                  <a:srgbClr val="FF0000"/>
+                </a:solidFill>
+              </a:rPr>
+              <a:t>是否需要</a:t>
+            </a:r>
+            <a:r>
+              <a:rPr kumimoji="1" lang="en-US" altLang="zh-CN" dirty="0" smtClean="0">
+                <a:solidFill>
+                  <a:srgbClr val="FF0000"/>
+                </a:solidFill>
+              </a:rPr>
+              <a:t>?</a:t>
+            </a:r>
+            <a:r>
+              <a:rPr kumimoji="1" lang="zh-CN" altLang="en-US" dirty="0" smtClean="0">
+                <a:solidFill>
+                  <a:srgbClr val="FF0000"/>
+                </a:solidFill>
+              </a:rPr>
+              <a:t>怎么实现</a:t>
+            </a:r>
+            <a:r>
+              <a:rPr kumimoji="1" lang="en-US" altLang="zh-CN" dirty="0" smtClean="0">
+                <a:solidFill>
+                  <a:srgbClr val="FF0000"/>
+                </a:solidFill>
+              </a:rPr>
+              <a:t>?)</a:t>
+            </a:r>
+            <a:endParaRPr kumimoji="1" lang="zh-CN" altLang="en-US" dirty="0">
+              <a:solidFill>
+                <a:srgbClr val="FF0000"/>
+              </a:solidFill>
+            </a:endParaRPr>
+          </a:p>
+        </p:txBody>
+      </p:sp>
+      <p:sp>
+        <p:nvSpPr>
+          <p:cNvPr id="2" name="左大括号 1"/>
+          <p:cNvSpPr/>
+          <p:nvPr/>
+        </p:nvSpPr>
+        <p:spPr>
+          <a:xfrm>
+            <a:off x="3172693" y="1870361"/>
+            <a:ext cx="637309" cy="1787236"/>
+          </a:xfrm>
+          <a:prstGeom prst="leftBrace">
+            <a:avLst/>
+          </a:prstGeom>
+        </p:spPr>
+        <p:style>
+          <a:lnRef idx="1">
+            <a:schemeClr val="accent1"/>
+          </a:lnRef>
+          <a:fillRef idx="0">
+            <a:schemeClr val="accent1"/>
+          </a:fillRef>
+          <a:effectRef idx="0">
+            <a:schemeClr val="accent1"/>
+          </a:effectRef>
+          <a:fontRef idx="minor">
+            <a:schemeClr val="tx1"/>
+          </a:fontRef>
+        </p:style>
+        <p:txBody>
+          <a:bodyPr rtlCol="0" anchor="ctr"/>
+          <a:lstStyle/>
+          <a:p>
+            <a:pPr algn="ctr"/>
+            <a:endParaRPr kumimoji="1" lang="zh-CN" altLang="en-US" dirty="0"/>
+          </a:p>
+        </p:txBody>
+      </p:sp>
+      <p:sp>
+        <p:nvSpPr>
+          <p:cNvPr id="5" name="文本框 4"/>
+          <p:cNvSpPr txBox="1"/>
+          <p:nvPr/>
+        </p:nvSpPr>
+        <p:spPr>
+          <a:xfrm>
+            <a:off x="3491347" y="1886744"/>
+            <a:ext cx="2827762" cy="1815882"/>
+          </a:xfrm>
+          <a:prstGeom prst="rect">
+            <a:avLst/>
+          </a:prstGeom>
+          <a:noFill/>
+        </p:spPr>
+        <p:txBody>
+          <a:bodyPr wrap="none" rtlCol="0">
+            <a:spAutoFit/>
+          </a:bodyPr>
+          <a:lstStyle/>
+          <a:p>
+            <a:r>
+              <a:rPr kumimoji="1" lang="zh-CN" altLang="en-US" sz="1600" dirty="0">
+                <a:latin typeface="Microsoft YaHei" charset="0"/>
+                <a:ea typeface="Microsoft YaHei" charset="0"/>
+                <a:cs typeface="Microsoft YaHei" charset="0"/>
+              </a:rPr>
+              <a:t>服务</a:t>
+            </a:r>
+            <a:r>
+              <a:rPr kumimoji="1" lang="en-US" altLang="zh-CN" sz="1600" dirty="0" smtClean="0">
+                <a:latin typeface="Microsoft YaHei" charset="0"/>
+                <a:ea typeface="Microsoft YaHei" charset="0"/>
+                <a:cs typeface="Microsoft YaHei" charset="0"/>
+              </a:rPr>
+              <a:t>A</a:t>
+            </a:r>
+            <a:endParaRPr kumimoji="1" lang="zh-CN" altLang="en-US" sz="1600" dirty="0" smtClean="0">
+              <a:latin typeface="Microsoft YaHei" charset="0"/>
+              <a:ea typeface="Microsoft YaHei" charset="0"/>
+              <a:cs typeface="Microsoft YaHei" charset="0"/>
+            </a:endParaRPr>
+          </a:p>
+          <a:p>
+            <a:r>
+              <a:rPr kumimoji="1" lang="en-US" altLang="zh-CN" sz="1600" dirty="0" err="1" smtClean="0">
+                <a:solidFill>
+                  <a:srgbClr val="FF0000"/>
+                </a:solidFill>
+                <a:latin typeface="Microsoft YaHei" charset="0"/>
+                <a:ea typeface="Microsoft YaHei" charset="0"/>
+                <a:cs typeface="Microsoft YaHei" charset="0"/>
+              </a:rPr>
+              <a:t>eg:</a:t>
+            </a:r>
+            <a:r>
+              <a:rPr kumimoji="1" lang="en-US" altLang="zh-CN" sz="1600" dirty="0" err="1" smtClean="0">
+                <a:solidFill>
+                  <a:srgbClr val="FF0000"/>
+                </a:solidFill>
+                <a:latin typeface="Microsoft YaHei" charset="0"/>
+                <a:ea typeface="Microsoft YaHei" charset="0"/>
+                <a:cs typeface="Microsoft YaHei" charset="0"/>
+              </a:rPr>
+              <a:t>serviceId:version:group</a:t>
+            </a:r>
+            <a:endParaRPr kumimoji="1" lang="zh-CN" altLang="en-US" sz="1600" dirty="0" smtClean="0">
+              <a:solidFill>
+                <a:srgbClr val="FF0000"/>
+              </a:solidFill>
+              <a:latin typeface="Microsoft YaHei" charset="0"/>
+              <a:ea typeface="Microsoft YaHei" charset="0"/>
+              <a:cs typeface="Microsoft YaHei" charset="0"/>
+            </a:endParaRPr>
+          </a:p>
+          <a:p>
+            <a:endParaRPr kumimoji="1" lang="zh-CN" altLang="en-US" sz="1600" dirty="0" smtClean="0">
+              <a:latin typeface="Microsoft YaHei" charset="0"/>
+              <a:ea typeface="Microsoft YaHei" charset="0"/>
+              <a:cs typeface="Microsoft YaHei" charset="0"/>
+            </a:endParaRPr>
+          </a:p>
+          <a:p>
+            <a:r>
+              <a:rPr kumimoji="1" lang="zh-CN" altLang="en-US" sz="1600" dirty="0" smtClean="0">
+                <a:latin typeface="Microsoft YaHei" charset="0"/>
+                <a:ea typeface="Microsoft YaHei" charset="0"/>
+                <a:cs typeface="Microsoft YaHei" charset="0"/>
+              </a:rPr>
+              <a:t>服务</a:t>
+            </a:r>
+            <a:r>
+              <a:rPr kumimoji="1" lang="en-US" altLang="zh-CN" sz="1600" dirty="0">
+                <a:latin typeface="Microsoft YaHei" charset="0"/>
+                <a:ea typeface="Microsoft YaHei" charset="0"/>
+                <a:cs typeface="Microsoft YaHei" charset="0"/>
+              </a:rPr>
+              <a:t>B</a:t>
+            </a:r>
+            <a:endParaRPr kumimoji="1" lang="zh-CN" altLang="en-US" sz="1600" dirty="0" smtClean="0">
+              <a:latin typeface="Microsoft YaHei" charset="0"/>
+              <a:ea typeface="Microsoft YaHei" charset="0"/>
+              <a:cs typeface="Microsoft YaHei" charset="0"/>
+            </a:endParaRPr>
+          </a:p>
+          <a:p>
+            <a:endParaRPr kumimoji="1" lang="zh-CN" altLang="en-US" sz="1600" dirty="0" smtClean="0">
+              <a:latin typeface="Microsoft YaHei" charset="0"/>
+              <a:ea typeface="Microsoft YaHei" charset="0"/>
+              <a:cs typeface="Microsoft YaHei" charset="0"/>
+            </a:endParaRPr>
+          </a:p>
+          <a:p>
+            <a:endParaRPr kumimoji="1" lang="zh-CN" altLang="en-US" sz="1600" dirty="0">
+              <a:latin typeface="Microsoft YaHei" charset="0"/>
+              <a:ea typeface="Microsoft YaHei" charset="0"/>
+              <a:cs typeface="Microsoft YaHei" charset="0"/>
+            </a:endParaRPr>
+          </a:p>
+          <a:p>
+            <a:r>
+              <a:rPr kumimoji="1" lang="en-US" altLang="zh-CN" sz="1600" dirty="0" smtClean="0">
+                <a:latin typeface="Microsoft YaHei" charset="0"/>
+                <a:ea typeface="Microsoft YaHei" charset="0"/>
+                <a:cs typeface="Microsoft YaHei" charset="0"/>
+              </a:rPr>
+              <a:t>......</a:t>
+            </a:r>
+            <a:endParaRPr kumimoji="1" lang="zh-CN" altLang="en-US" sz="1600" dirty="0">
+              <a:latin typeface="Microsoft YaHei" charset="0"/>
+              <a:ea typeface="Microsoft YaHei" charset="0"/>
+              <a:cs typeface="Microsoft YaHei" charset="0"/>
+            </a:endParaRPr>
+          </a:p>
+        </p:txBody>
+      </p:sp>
+      <p:sp>
+        <p:nvSpPr>
+          <p:cNvPr id="68" name="左大括号 67"/>
+          <p:cNvSpPr/>
+          <p:nvPr/>
+        </p:nvSpPr>
+        <p:spPr>
+          <a:xfrm>
+            <a:off x="6187308" y="1893923"/>
+            <a:ext cx="318659" cy="846506"/>
+          </a:xfrm>
+          <a:prstGeom prst="leftBrace">
+            <a:avLst/>
+          </a:prstGeom>
+        </p:spPr>
+        <p:style>
+          <a:lnRef idx="1">
+            <a:schemeClr val="accent1"/>
+          </a:lnRef>
+          <a:fillRef idx="0">
+            <a:schemeClr val="accent1"/>
+          </a:fillRef>
+          <a:effectRef idx="0">
+            <a:schemeClr val="accent1"/>
+          </a:effectRef>
+          <a:fontRef idx="minor">
+            <a:schemeClr val="tx1"/>
+          </a:fontRef>
+        </p:style>
+        <p:txBody>
+          <a:bodyPr rtlCol="0" anchor="ctr"/>
+          <a:lstStyle/>
+          <a:p>
+            <a:pPr algn="ctr"/>
+            <a:endParaRPr kumimoji="1" lang="zh-CN" altLang="en-US" dirty="0"/>
+          </a:p>
+        </p:txBody>
+      </p:sp>
+      <p:sp>
+        <p:nvSpPr>
+          <p:cNvPr id="6" name="文本框 5"/>
+          <p:cNvSpPr txBox="1"/>
+          <p:nvPr/>
+        </p:nvSpPr>
+        <p:spPr>
+          <a:xfrm>
+            <a:off x="6386933" y="1898066"/>
+            <a:ext cx="665567" cy="830997"/>
+          </a:xfrm>
+          <a:prstGeom prst="rect">
+            <a:avLst/>
+          </a:prstGeom>
+          <a:noFill/>
+        </p:spPr>
+        <p:txBody>
+          <a:bodyPr wrap="none" rtlCol="0">
+            <a:spAutoFit/>
+          </a:bodyPr>
+          <a:lstStyle/>
+          <a:p>
+            <a:r>
+              <a:rPr kumimoji="1" lang="en-US" altLang="zh-CN" sz="1600" dirty="0" smtClean="0"/>
+              <a:t>URL</a:t>
+            </a:r>
+            <a:r>
+              <a:rPr kumimoji="1" lang="zh-CN" altLang="en-US" sz="1600" dirty="0" smtClean="0"/>
+              <a:t> </a:t>
+            </a:r>
+            <a:r>
+              <a:rPr kumimoji="1" lang="en-US" altLang="zh-CN" sz="1600" dirty="0" smtClean="0"/>
+              <a:t>1</a:t>
+            </a:r>
+            <a:endParaRPr kumimoji="1" lang="zh-CN" altLang="en-US" sz="1600" dirty="0" smtClean="0"/>
+          </a:p>
+          <a:p>
+            <a:r>
+              <a:rPr kumimoji="1" lang="en-US" altLang="zh-CN" sz="1600" dirty="0" smtClean="0"/>
+              <a:t>URL</a:t>
+            </a:r>
+            <a:r>
+              <a:rPr kumimoji="1" lang="zh-CN" altLang="en-US" sz="1600" dirty="0" smtClean="0"/>
+              <a:t> </a:t>
+            </a:r>
+            <a:r>
+              <a:rPr kumimoji="1" lang="en-US" altLang="zh-CN" sz="1600" dirty="0" smtClean="0"/>
+              <a:t>2</a:t>
+            </a:r>
+            <a:endParaRPr kumimoji="1" lang="zh-CN" altLang="en-US" sz="1600" dirty="0" smtClean="0"/>
+          </a:p>
+          <a:p>
+            <a:r>
+              <a:rPr kumimoji="1" lang="en-US" altLang="zh-CN" sz="1600" dirty="0" smtClean="0"/>
+              <a:t>.......</a:t>
+            </a:r>
+            <a:endParaRPr kumimoji="1" lang="zh-CN" altLang="en-US" sz="1600" dirty="0" smtClean="0"/>
+          </a:p>
+        </p:txBody>
+      </p:sp>
+      <p:sp>
+        <p:nvSpPr>
+          <p:cNvPr id="7" name="文本框 6"/>
+          <p:cNvSpPr txBox="1"/>
+          <p:nvPr/>
+        </p:nvSpPr>
+        <p:spPr>
+          <a:xfrm>
+            <a:off x="1857237" y="2533075"/>
+            <a:ext cx="1415003" cy="523220"/>
+          </a:xfrm>
+          <a:prstGeom prst="rect">
+            <a:avLst/>
+          </a:prstGeom>
+          <a:noFill/>
+        </p:spPr>
+        <p:txBody>
+          <a:bodyPr wrap="none" rtlCol="0">
+            <a:spAutoFit/>
+          </a:bodyPr>
+          <a:lstStyle/>
+          <a:p>
+            <a:pPr algn="ctr"/>
+            <a:r>
+              <a:rPr kumimoji="1" lang="zh-CN" altLang="en-US" sz="1600" dirty="0" smtClean="0">
+                <a:latin typeface="Microsoft YaHei" charset="0"/>
+                <a:ea typeface="Microsoft YaHei" charset="0"/>
+                <a:cs typeface="Microsoft YaHei" charset="0"/>
+              </a:rPr>
+              <a:t>路由规则</a:t>
+            </a:r>
+            <a:r>
+              <a:rPr kumimoji="1" lang="en-US" altLang="zh-CN" sz="1600" dirty="0" smtClean="0">
+                <a:latin typeface="Microsoft YaHei" charset="0"/>
+                <a:ea typeface="Microsoft YaHei" charset="0"/>
+                <a:cs typeface="Microsoft YaHei" charset="0"/>
+              </a:rPr>
+              <a:t>R1</a:t>
+            </a:r>
+            <a:endParaRPr kumimoji="1" lang="zh-CN" altLang="en-US" sz="1600" dirty="0" smtClean="0">
+              <a:latin typeface="Microsoft YaHei" charset="0"/>
+              <a:ea typeface="Microsoft YaHei" charset="0"/>
+              <a:cs typeface="Microsoft YaHei" charset="0"/>
+            </a:endParaRPr>
+          </a:p>
+          <a:p>
+            <a:pPr algn="ctr"/>
+            <a:r>
+              <a:rPr kumimoji="1" lang="en-US" altLang="zh-CN" sz="1200" dirty="0" err="1">
+                <a:solidFill>
+                  <a:srgbClr val="FF0000"/>
+                </a:solidFill>
+                <a:latin typeface="Microsoft YaHei" charset="0"/>
+                <a:ea typeface="Microsoft YaHei" charset="0"/>
+                <a:cs typeface="Microsoft YaHei" charset="0"/>
+              </a:rPr>
+              <a:t>e</a:t>
+            </a:r>
+            <a:r>
+              <a:rPr kumimoji="1" lang="en-US" altLang="zh-CN" sz="1200" dirty="0" err="1" smtClean="0">
+                <a:solidFill>
+                  <a:srgbClr val="FF0000"/>
+                </a:solidFill>
+                <a:latin typeface="Microsoft YaHei" charset="0"/>
+                <a:ea typeface="Microsoft YaHei" charset="0"/>
+                <a:cs typeface="Microsoft YaHei" charset="0"/>
+              </a:rPr>
+              <a:t>g:weixin</a:t>
+            </a:r>
+            <a:r>
+              <a:rPr kumimoji="1" lang="zh-CN" altLang="en-US" sz="1200" dirty="0" smtClean="0">
+                <a:solidFill>
+                  <a:srgbClr val="FF0000"/>
+                </a:solidFill>
+                <a:latin typeface="Microsoft YaHei" charset="0"/>
+                <a:ea typeface="Microsoft YaHei" charset="0"/>
+                <a:cs typeface="Microsoft YaHei" charset="0"/>
+              </a:rPr>
+              <a:t>**</a:t>
+            </a:r>
+            <a:r>
+              <a:rPr kumimoji="1" lang="en-US" altLang="zh-CN" sz="1200" dirty="0" smtClean="0">
+                <a:solidFill>
+                  <a:srgbClr val="FF0000"/>
+                </a:solidFill>
+                <a:latin typeface="Microsoft YaHei" charset="0"/>
+                <a:ea typeface="Microsoft YaHei" charset="0"/>
+                <a:cs typeface="Microsoft YaHei" charset="0"/>
+              </a:rPr>
+              <a:t>&amp;A0</a:t>
+            </a:r>
+            <a:r>
+              <a:rPr kumimoji="1" lang="zh-CN" altLang="en-US" sz="1200" dirty="0" smtClean="0">
+                <a:solidFill>
+                  <a:srgbClr val="FF0000"/>
+                </a:solidFill>
+                <a:latin typeface="Microsoft YaHei" charset="0"/>
+                <a:ea typeface="Microsoft YaHei" charset="0"/>
+                <a:cs typeface="Microsoft YaHei" charset="0"/>
+              </a:rPr>
+              <a:t>*</a:t>
+            </a:r>
+            <a:endParaRPr kumimoji="1" lang="zh-CN" altLang="en-US" sz="1200" dirty="0">
+              <a:solidFill>
+                <a:srgbClr val="FF0000"/>
+              </a:solidFill>
+              <a:latin typeface="Microsoft YaHei" charset="0"/>
+              <a:ea typeface="Microsoft YaHei" charset="0"/>
+              <a:cs typeface="Microsoft YaHei" charset="0"/>
+            </a:endParaRPr>
+          </a:p>
+        </p:txBody>
+      </p:sp>
+      <p:sp>
+        <p:nvSpPr>
+          <p:cNvPr id="69" name="圆角矩形 68"/>
+          <p:cNvSpPr/>
+          <p:nvPr/>
+        </p:nvSpPr>
+        <p:spPr>
+          <a:xfrm>
+            <a:off x="4267196" y="1880068"/>
+            <a:ext cx="525749" cy="267385"/>
+          </a:xfrm>
+          <a:prstGeom prst="roundRect">
+            <a:avLst/>
+          </a:prstGeom>
+          <a:solidFill>
+            <a:srgbClr val="00B050"/>
+          </a:solidFill>
+          <a:ln>
+            <a:solidFill>
+              <a:srgbClr val="00B050"/>
+            </a:solidFill>
+          </a:ln>
+        </p:spPr>
+        <p:style>
+          <a:lnRef idx="2">
+            <a:schemeClr val="accent1">
+              <a:shade val="50000"/>
+            </a:schemeClr>
+          </a:lnRef>
+          <a:fillRef idx="1">
+            <a:schemeClr val="accent1"/>
+          </a:fillRef>
+          <a:effectRef idx="0">
+            <a:schemeClr val="accent1"/>
+          </a:effectRef>
+          <a:fontRef idx="minor">
+            <a:schemeClr val="lt1"/>
+          </a:fontRef>
+        </p:style>
+        <p:txBody>
+          <a:bodyPr rtlCol="0" anchor="ctr"/>
+          <a:lstStyle/>
+          <a:p>
+            <a:pPr algn="ctr"/>
+            <a:r>
+              <a:rPr kumimoji="1" lang="zh-CN" altLang="en-US" sz="1200" smtClean="0">
+                <a:latin typeface="Microsoft YaHei" charset="0"/>
+                <a:ea typeface="Microsoft YaHei" charset="0"/>
+                <a:cs typeface="Microsoft YaHei" charset="0"/>
+              </a:rPr>
+              <a:t>屏蔽</a:t>
+            </a:r>
+            <a:endParaRPr kumimoji="1" lang="zh-CN" altLang="en-US" sz="1200" dirty="0">
+              <a:latin typeface="Microsoft YaHei" charset="0"/>
+              <a:ea typeface="Microsoft YaHei" charset="0"/>
+              <a:cs typeface="Microsoft YaHei" charset="0"/>
+            </a:endParaRPr>
+          </a:p>
+        </p:txBody>
+      </p:sp>
+      <p:sp>
+        <p:nvSpPr>
+          <p:cNvPr id="70" name="左大括号 69"/>
+          <p:cNvSpPr/>
+          <p:nvPr/>
+        </p:nvSpPr>
+        <p:spPr>
+          <a:xfrm rot="16200000">
+            <a:off x="2700948" y="3109962"/>
+            <a:ext cx="336453" cy="1748235"/>
+          </a:xfrm>
+          <a:prstGeom prst="leftBrace">
+            <a:avLst>
+              <a:gd name="adj1" fmla="val 57747"/>
+              <a:gd name="adj2" fmla="val 50000"/>
+            </a:avLst>
+          </a:prstGeom>
+        </p:spPr>
+        <p:style>
+          <a:lnRef idx="1">
+            <a:schemeClr val="accent1"/>
+          </a:lnRef>
+          <a:fillRef idx="0">
+            <a:schemeClr val="accent1"/>
+          </a:fillRef>
+          <a:effectRef idx="0">
+            <a:schemeClr val="accent1"/>
+          </a:effectRef>
+          <a:fontRef idx="minor">
+            <a:schemeClr val="tx1"/>
+          </a:fontRef>
+        </p:style>
+        <p:txBody>
+          <a:bodyPr rtlCol="0" anchor="ctr"/>
+          <a:lstStyle/>
+          <a:p>
+            <a:pPr algn="ctr"/>
+            <a:endParaRPr kumimoji="1" lang="zh-CN" altLang="en-US" dirty="0"/>
+          </a:p>
+        </p:txBody>
+      </p:sp>
+      <p:sp>
+        <p:nvSpPr>
+          <p:cNvPr id="8" name="文本框 7"/>
+          <p:cNvSpPr txBox="1"/>
+          <p:nvPr/>
+        </p:nvSpPr>
+        <p:spPr>
+          <a:xfrm>
+            <a:off x="2356741" y="4234471"/>
+            <a:ext cx="1005403" cy="338554"/>
+          </a:xfrm>
+          <a:prstGeom prst="rect">
+            <a:avLst/>
+          </a:prstGeom>
+          <a:noFill/>
+        </p:spPr>
+        <p:txBody>
+          <a:bodyPr wrap="none" rtlCol="0">
+            <a:spAutoFit/>
+          </a:bodyPr>
+          <a:lstStyle/>
+          <a:p>
+            <a:r>
+              <a:rPr kumimoji="1" lang="zh-CN" altLang="en-US" sz="1600" dirty="0" smtClean="0">
+                <a:latin typeface="Microsoft YaHei" charset="0"/>
+                <a:ea typeface="Microsoft YaHei" charset="0"/>
+                <a:cs typeface="Microsoft YaHei" charset="0"/>
+              </a:rPr>
+              <a:t>服务鉴权</a:t>
+            </a:r>
+          </a:p>
+        </p:txBody>
+      </p:sp>
+      <p:sp>
+        <p:nvSpPr>
+          <p:cNvPr id="71" name="左大括号 70"/>
+          <p:cNvSpPr/>
+          <p:nvPr/>
+        </p:nvSpPr>
+        <p:spPr>
+          <a:xfrm rot="16200000">
+            <a:off x="4624719" y="3083899"/>
+            <a:ext cx="336453" cy="1787236"/>
+          </a:xfrm>
+          <a:prstGeom prst="leftBrace">
+            <a:avLst>
+              <a:gd name="adj1" fmla="val 53629"/>
+              <a:gd name="adj2" fmla="val 50000"/>
+            </a:avLst>
+          </a:prstGeom>
+        </p:spPr>
+        <p:style>
+          <a:lnRef idx="1">
+            <a:schemeClr val="accent1"/>
+          </a:lnRef>
+          <a:fillRef idx="0">
+            <a:schemeClr val="accent1"/>
+          </a:fillRef>
+          <a:effectRef idx="0">
+            <a:schemeClr val="accent1"/>
+          </a:effectRef>
+          <a:fontRef idx="minor">
+            <a:schemeClr val="tx1"/>
+          </a:fontRef>
+        </p:style>
+        <p:txBody>
+          <a:bodyPr rtlCol="0" anchor="ctr"/>
+          <a:lstStyle/>
+          <a:p>
+            <a:pPr algn="ctr"/>
+            <a:endParaRPr kumimoji="1" lang="zh-CN" altLang="en-US" dirty="0"/>
+          </a:p>
+        </p:txBody>
+      </p:sp>
+      <p:sp>
+        <p:nvSpPr>
+          <p:cNvPr id="9" name="文本框 8"/>
+          <p:cNvSpPr txBox="1"/>
+          <p:nvPr/>
+        </p:nvSpPr>
+        <p:spPr>
+          <a:xfrm>
+            <a:off x="4294367" y="4234471"/>
+            <a:ext cx="1005403" cy="338554"/>
+          </a:xfrm>
+          <a:prstGeom prst="rect">
+            <a:avLst/>
+          </a:prstGeom>
+          <a:noFill/>
+        </p:spPr>
+        <p:txBody>
+          <a:bodyPr wrap="none" rtlCol="0">
+            <a:spAutoFit/>
+          </a:bodyPr>
+          <a:lstStyle/>
+          <a:p>
+            <a:r>
+              <a:rPr kumimoji="1" lang="zh-CN" altLang="en-US" sz="1600" dirty="0" smtClean="0">
+                <a:latin typeface="Microsoft YaHei" charset="0"/>
+                <a:ea typeface="Microsoft YaHei" charset="0"/>
+                <a:cs typeface="Microsoft YaHei" charset="0"/>
+              </a:rPr>
+              <a:t>灰度</a:t>
+            </a:r>
+            <a:r>
+              <a:rPr kumimoji="1" lang="zh-CN" altLang="en-US" sz="1600" smtClean="0">
+                <a:latin typeface="Microsoft YaHei" charset="0"/>
+                <a:ea typeface="Microsoft YaHei" charset="0"/>
+                <a:cs typeface="Microsoft YaHei" charset="0"/>
+              </a:rPr>
+              <a:t>路由</a:t>
+            </a:r>
+            <a:endParaRPr kumimoji="1" lang="zh-CN" altLang="en-US" sz="1600" dirty="0">
+              <a:latin typeface="Microsoft YaHei" charset="0"/>
+              <a:ea typeface="Microsoft YaHei" charset="0"/>
+              <a:cs typeface="Microsoft YaHei" charset="0"/>
+            </a:endParaRPr>
+          </a:p>
+        </p:txBody>
+      </p:sp>
+      <p:sp>
+        <p:nvSpPr>
+          <p:cNvPr id="72" name="左大括号 71"/>
+          <p:cNvSpPr/>
+          <p:nvPr/>
+        </p:nvSpPr>
+        <p:spPr>
+          <a:xfrm rot="5400000">
+            <a:off x="2363248" y="1524846"/>
+            <a:ext cx="336453" cy="1072837"/>
+          </a:xfrm>
+          <a:prstGeom prst="leftBrace">
+            <a:avLst>
+              <a:gd name="adj1" fmla="val 57747"/>
+              <a:gd name="adj2" fmla="val 50000"/>
+            </a:avLst>
+          </a:prstGeom>
+        </p:spPr>
+        <p:style>
+          <a:lnRef idx="1">
+            <a:schemeClr val="accent1"/>
+          </a:lnRef>
+          <a:fillRef idx="0">
+            <a:schemeClr val="accent1"/>
+          </a:fillRef>
+          <a:effectRef idx="0">
+            <a:schemeClr val="accent1"/>
+          </a:effectRef>
+          <a:fontRef idx="minor">
+            <a:schemeClr val="tx1"/>
+          </a:fontRef>
+        </p:style>
+        <p:txBody>
+          <a:bodyPr rtlCol="0" anchor="ctr"/>
+          <a:lstStyle/>
+          <a:p>
+            <a:pPr algn="ctr"/>
+            <a:endParaRPr kumimoji="1" lang="zh-CN" altLang="en-US" dirty="0"/>
+          </a:p>
+        </p:txBody>
+      </p:sp>
+      <p:sp>
+        <p:nvSpPr>
+          <p:cNvPr id="74" name="文本框 73"/>
+          <p:cNvSpPr txBox="1"/>
+          <p:nvPr/>
+        </p:nvSpPr>
+        <p:spPr>
+          <a:xfrm>
+            <a:off x="2036621" y="1474771"/>
+            <a:ext cx="1005403" cy="338554"/>
+          </a:xfrm>
+          <a:prstGeom prst="rect">
+            <a:avLst/>
+          </a:prstGeom>
+          <a:noFill/>
+        </p:spPr>
+        <p:txBody>
+          <a:bodyPr wrap="none" rtlCol="0">
+            <a:spAutoFit/>
+          </a:bodyPr>
+          <a:lstStyle/>
+          <a:p>
+            <a:r>
+              <a:rPr kumimoji="1" lang="zh-CN" altLang="en-US" sz="1600" smtClean="0">
+                <a:latin typeface="Microsoft YaHei" charset="0"/>
+                <a:ea typeface="Microsoft YaHei" charset="0"/>
+                <a:cs typeface="Microsoft YaHei" charset="0"/>
+              </a:rPr>
+              <a:t>资源隔离</a:t>
+            </a:r>
+            <a:endParaRPr kumimoji="1" lang="zh-CN" altLang="en-US" sz="1600" dirty="0" smtClean="0">
+              <a:latin typeface="Microsoft YaHei" charset="0"/>
+              <a:ea typeface="Microsoft YaHei" charset="0"/>
+              <a:cs typeface="Microsoft YaHei" charset="0"/>
+            </a:endParaRPr>
+          </a:p>
+        </p:txBody>
+      </p:sp>
+      <p:sp>
+        <p:nvSpPr>
+          <p:cNvPr id="76" name="圆角矩形 75"/>
+          <p:cNvSpPr/>
+          <p:nvPr/>
+        </p:nvSpPr>
+        <p:spPr>
+          <a:xfrm>
+            <a:off x="4263191" y="2618049"/>
+            <a:ext cx="525749" cy="267385"/>
+          </a:xfrm>
+          <a:prstGeom prst="roundRect">
+            <a:avLst/>
+          </a:prstGeom>
+          <a:solidFill>
+            <a:srgbClr val="00B050"/>
+          </a:solidFill>
+          <a:ln>
+            <a:solidFill>
+              <a:srgbClr val="00B050"/>
+            </a:solidFill>
+          </a:ln>
+        </p:spPr>
+        <p:style>
+          <a:lnRef idx="2">
+            <a:schemeClr val="accent1">
+              <a:shade val="50000"/>
+            </a:schemeClr>
+          </a:lnRef>
+          <a:fillRef idx="1">
+            <a:schemeClr val="accent1"/>
+          </a:fillRef>
+          <a:effectRef idx="0">
+            <a:schemeClr val="accent1"/>
+          </a:effectRef>
+          <a:fontRef idx="minor">
+            <a:schemeClr val="lt1"/>
+          </a:fontRef>
+        </p:style>
+        <p:txBody>
+          <a:bodyPr rtlCol="0" anchor="ctr"/>
+          <a:lstStyle/>
+          <a:p>
+            <a:pPr algn="ctr"/>
+            <a:r>
+              <a:rPr kumimoji="1" lang="zh-CN" altLang="en-US" sz="1200" dirty="0" smtClean="0">
+                <a:latin typeface="Microsoft YaHei" charset="0"/>
+                <a:ea typeface="Microsoft YaHei" charset="0"/>
+                <a:cs typeface="Microsoft YaHei" charset="0"/>
+              </a:rPr>
+              <a:t>屏蔽</a:t>
+            </a:r>
+            <a:endParaRPr kumimoji="1" lang="zh-CN" altLang="en-US" sz="1200" dirty="0">
+              <a:latin typeface="Microsoft YaHei" charset="0"/>
+              <a:ea typeface="Microsoft YaHei" charset="0"/>
+              <a:cs typeface="Microsoft YaHei" charset="0"/>
+            </a:endParaRPr>
+          </a:p>
+        </p:txBody>
+      </p:sp>
+    </p:spTree>
+    <p:extLst>
+      <p:ext uri="{BB962C8B-B14F-4D97-AF65-F5344CB8AC3E}">
+        <p14:creationId xmlns:p14="http://schemas.microsoft.com/office/powerpoint/2010/main" val="520893051"/>
       </p:ext>
     </p:extLst>
   </p:cSld>
